--- a/L&T/CreaTech-Submission.pptx
+++ b/L&T/CreaTech-Submission.pptx
@@ -4447,7 +4447,7 @@
                 </a:solidFill>
                 <a:latin typeface="Algerian" panose="04020705040A02060702" pitchFamily="82" charset="0"/>
               </a:rPr>
-              <a:t>UTILIZING WEB </a:t>
+              <a:t>WEB </a:t>
             </a:r>
           </a:p>
           <a:p>
